--- a/Project/presentation.pptx
+++ b/Project/presentation.pptx
@@ -5,7 +5,7 @@
     <p:sldMasterId id="2147483648" r:id="rId1"/>
   </p:sldMasterIdLst>
   <p:notesMasterIdLst>
-    <p:notesMasterId r:id="rId9"/>
+    <p:notesMasterId r:id="rId11"/>
   </p:notesMasterIdLst>
   <p:sldIdLst>
     <p:sldId id="256" r:id="rId2"/>
@@ -13,8 +13,10 @@
     <p:sldId id="260" r:id="rId4"/>
     <p:sldId id="261" r:id="rId5"/>
     <p:sldId id="259" r:id="rId6"/>
-    <p:sldId id="262" r:id="rId7"/>
-    <p:sldId id="263" r:id="rId8"/>
+    <p:sldId id="265" r:id="rId7"/>
+    <p:sldId id="262" r:id="rId8"/>
+    <p:sldId id="266" r:id="rId9"/>
+    <p:sldId id="263" r:id="rId10"/>
   </p:sldIdLst>
   <p:sldSz cx="12192000" cy="6858000"/>
   <p:notesSz cx="6858000" cy="9144000"/>
@@ -215,7 +217,7 @@
           <a:p>
             <a:fld id="{B9E6F8A2-4E24-774B-AB5A-FCE531C90979}" type="datetimeFigureOut">
               <a:rPr lang="en-US" smtClean="0"/>
-              <a:t>12/3/19</a:t>
+              <a:t>12/5/19</a:t>
             </a:fld>
             <a:endParaRPr lang="en-US"/>
           </a:p>
@@ -713,7 +715,7 @@
           <a:p>
             <a:fld id="{EF65EA68-22CB-5847-AAA9-6DE164F8BFC8}" type="datetimeFigureOut">
               <a:rPr lang="en-US" smtClean="0"/>
-              <a:t>12/3/19</a:t>
+              <a:t>12/5/19</a:t>
             </a:fld>
             <a:endParaRPr lang="en-US"/>
           </a:p>
@@ -911,7 +913,7 @@
           <a:p>
             <a:fld id="{EF65EA68-22CB-5847-AAA9-6DE164F8BFC8}" type="datetimeFigureOut">
               <a:rPr lang="en-US" smtClean="0"/>
-              <a:t>12/3/19</a:t>
+              <a:t>12/5/19</a:t>
             </a:fld>
             <a:endParaRPr lang="en-US"/>
           </a:p>
@@ -1119,7 +1121,7 @@
           <a:p>
             <a:fld id="{EF65EA68-22CB-5847-AAA9-6DE164F8BFC8}" type="datetimeFigureOut">
               <a:rPr lang="en-US" smtClean="0"/>
-              <a:t>12/3/19</a:t>
+              <a:t>12/5/19</a:t>
             </a:fld>
             <a:endParaRPr lang="en-US"/>
           </a:p>
@@ -1317,7 +1319,7 @@
           <a:p>
             <a:fld id="{EF65EA68-22CB-5847-AAA9-6DE164F8BFC8}" type="datetimeFigureOut">
               <a:rPr lang="en-US" smtClean="0"/>
-              <a:t>12/3/19</a:t>
+              <a:t>12/5/19</a:t>
             </a:fld>
             <a:endParaRPr lang="en-US"/>
           </a:p>
@@ -1592,7 +1594,7 @@
           <a:p>
             <a:fld id="{EF65EA68-22CB-5847-AAA9-6DE164F8BFC8}" type="datetimeFigureOut">
               <a:rPr lang="en-US" smtClean="0"/>
-              <a:t>12/3/19</a:t>
+              <a:t>12/5/19</a:t>
             </a:fld>
             <a:endParaRPr lang="en-US"/>
           </a:p>
@@ -1857,7 +1859,7 @@
           <a:p>
             <a:fld id="{EF65EA68-22CB-5847-AAA9-6DE164F8BFC8}" type="datetimeFigureOut">
               <a:rPr lang="en-US" smtClean="0"/>
-              <a:t>12/3/19</a:t>
+              <a:t>12/5/19</a:t>
             </a:fld>
             <a:endParaRPr lang="en-US"/>
           </a:p>
@@ -2269,7 +2271,7 @@
           <a:p>
             <a:fld id="{EF65EA68-22CB-5847-AAA9-6DE164F8BFC8}" type="datetimeFigureOut">
               <a:rPr lang="en-US" smtClean="0"/>
-              <a:t>12/3/19</a:t>
+              <a:t>12/5/19</a:t>
             </a:fld>
             <a:endParaRPr lang="en-US"/>
           </a:p>
@@ -2410,7 +2412,7 @@
           <a:p>
             <a:fld id="{EF65EA68-22CB-5847-AAA9-6DE164F8BFC8}" type="datetimeFigureOut">
               <a:rPr lang="en-US" smtClean="0"/>
-              <a:t>12/3/19</a:t>
+              <a:t>12/5/19</a:t>
             </a:fld>
             <a:endParaRPr lang="en-US"/>
           </a:p>
@@ -2523,7 +2525,7 @@
           <a:p>
             <a:fld id="{EF65EA68-22CB-5847-AAA9-6DE164F8BFC8}" type="datetimeFigureOut">
               <a:rPr lang="en-US" smtClean="0"/>
-              <a:t>12/3/19</a:t>
+              <a:t>12/5/19</a:t>
             </a:fld>
             <a:endParaRPr lang="en-US"/>
           </a:p>
@@ -2834,7 +2836,7 @@
           <a:p>
             <a:fld id="{EF65EA68-22CB-5847-AAA9-6DE164F8BFC8}" type="datetimeFigureOut">
               <a:rPr lang="en-US" smtClean="0"/>
-              <a:t>12/3/19</a:t>
+              <a:t>12/5/19</a:t>
             </a:fld>
             <a:endParaRPr lang="en-US"/>
           </a:p>
@@ -3122,7 +3124,7 @@
           <a:p>
             <a:fld id="{EF65EA68-22CB-5847-AAA9-6DE164F8BFC8}" type="datetimeFigureOut">
               <a:rPr lang="en-US" smtClean="0"/>
-              <a:t>12/3/19</a:t>
+              <a:t>12/5/19</a:t>
             </a:fld>
             <a:endParaRPr lang="en-US"/>
           </a:p>
@@ -3363,7 +3365,7 @@
           <a:p>
             <a:fld id="{EF65EA68-22CB-5847-AAA9-6DE164F8BFC8}" type="datetimeFigureOut">
               <a:rPr lang="en-US" smtClean="0"/>
-              <a:t>12/3/19</a:t>
+              <a:t>12/5/19</a:t>
             </a:fld>
             <a:endParaRPr lang="en-US"/>
           </a:p>
@@ -3796,14 +3798,21 @@
             <p:ph type="ctrTitle"/>
           </p:nvPr>
         </p:nvSpPr>
-        <p:spPr/>
-        <p:txBody>
-          <a:bodyPr/>
+        <p:spPr>
+          <a:xfrm>
+            <a:off x="1524000" y="2370221"/>
+            <a:ext cx="9144000" cy="1139742"/>
+          </a:xfrm>
+        </p:spPr>
+        <p:txBody>
+          <a:bodyPr>
+            <a:normAutofit fontScale="90000"/>
+          </a:bodyPr>
           <a:lstStyle/>
           <a:p>
             <a:r>
               <a:rPr lang="en-US" dirty="0"/>
-              <a:t>Photon Walk</a:t>
+              <a:t>How long does it take a photon to escape the Sun?</a:t>
             </a:r>
           </a:p>
         </p:txBody>
@@ -3829,7 +3838,16 @@
           <a:bodyPr/>
           <a:lstStyle/>
           <a:p>
-            <a:endParaRPr lang="en-US"/>
+            <a:r>
+              <a:rPr lang="en-US" dirty="0"/>
+              <a:t>A. Ash </a:t>
+            </a:r>
+          </a:p>
+          <a:p>
+            <a:r>
+              <a:rPr lang="en-US" dirty="0"/>
+              <a:t>12-6</a:t>
+            </a:r>
           </a:p>
         </p:txBody>
       </p:sp>
@@ -3847,7 +3865,7 @@
 </file>
 
 <file path=ppt/slides/slide2.xml><?xml version="1.0" encoding="utf-8"?>
-<p:sld xmlns:a="http://schemas.openxmlformats.org/drawingml/2006/main" xmlns:r="http://schemas.openxmlformats.org/officeDocument/2006/relationships" xmlns:p="http://schemas.openxmlformats.org/presentationml/2006/main">
+<p:sld xmlns:a="http://schemas.openxmlformats.org/drawingml/2006/main" xmlns:r="http://schemas.openxmlformats.org/officeDocument/2006/relationships" xmlns:p="http://schemas.openxmlformats.org/presentationml/2006/main" show="0">
   <p:cSld>
     <p:spTree>
       <p:nvGrpSpPr>
@@ -3939,7 +3957,7 @@
 </file>
 
 <file path=ppt/slides/slide3.xml><?xml version="1.0" encoding="utf-8"?>
-<p:sld xmlns:a="http://schemas.openxmlformats.org/drawingml/2006/main" xmlns:r="http://schemas.openxmlformats.org/officeDocument/2006/relationships" xmlns:p="http://schemas.openxmlformats.org/presentationml/2006/main">
+<p:sld xmlns:a="http://schemas.openxmlformats.org/drawingml/2006/main" xmlns:r="http://schemas.openxmlformats.org/officeDocument/2006/relationships" xmlns:p="http://schemas.openxmlformats.org/presentationml/2006/main" show="0">
   <p:cSld>
     <p:spTree>
       <p:nvGrpSpPr>
@@ -4978,7 +4996,7 @@
           <a:p>
             <a:r>
               <a:rPr lang="en-US" dirty="0"/>
-              <a:t>Pressure and Temperature Profiles</a:t>
+              <a:t>Analytic Equations</a:t>
             </a:r>
           </a:p>
         </p:txBody>
@@ -5012,7 +5030,7 @@
         </p:blipFill>
         <p:spPr bwMode="auto">
           <a:xfrm>
-            <a:off x="232598" y="1449574"/>
+            <a:off x="5689988" y="1005890"/>
             <a:ext cx="2505146" cy="626287"/>
           </a:xfrm>
           <a:prstGeom prst="rect">
@@ -5032,221 +5050,6 @@
       </p:pic>
       <p:pic>
         <p:nvPicPr>
-          <p:cNvPr id="7" name="Picture 6" descr="equation.pdf">
-            <a:extLst>
-              <a:ext uri="{FF2B5EF4-FFF2-40B4-BE49-F238E27FC236}">
-                <a16:creationId xmlns:a16="http://schemas.microsoft.com/office/drawing/2014/main" id="{ACE76804-C52D-4A41-BE61-82752639AAD9}"/>
-              </a:ext>
-            </a:extLst>
-          </p:cNvPr>
-          <p:cNvPicPr>
-            <a:picLocks noChangeAspect="1" noChangeArrowheads="1"/>
-          </p:cNvPicPr>
-          <p:nvPr/>
-        </p:nvPicPr>
-        <p:blipFill>
-          <a:blip r:embed="rId3">
-            <a:extLst>
-              <a:ext uri="{28A0092B-C50C-407E-A947-70E740481C1C}">
-                <a14:useLocalDpi xmlns:a14="http://schemas.microsoft.com/office/drawing/2010/main" val="0"/>
-              </a:ext>
-            </a:extLst>
-          </a:blip>
-          <a:srcRect/>
-          <a:stretch>
-            <a:fillRect/>
-          </a:stretch>
-        </p:blipFill>
-        <p:spPr bwMode="auto">
-          <a:xfrm>
-            <a:off x="9508903" y="1374872"/>
-            <a:ext cx="1682250" cy="545595"/>
-          </a:xfrm>
-          <a:prstGeom prst="rect">
-            <a:avLst/>
-          </a:prstGeom>
-          <a:noFill/>
-          <a:extLst>
-            <a:ext uri="{909E8E84-426E-40DD-AFC4-6F175D3DCCD1}">
-              <a14:hiddenFill xmlns:a14="http://schemas.microsoft.com/office/drawing/2010/main">
-                <a:solidFill>
-                  <a:srgbClr val="FFFFFF"/>
-                </a:solidFill>
-              </a14:hiddenFill>
-            </a:ext>
-          </a:extLst>
-        </p:spPr>
-      </p:pic>
-      <p:sp>
-        <p:nvSpPr>
-          <p:cNvPr id="10" name="TextBox 9">
-            <a:extLst>
-              <a:ext uri="{FF2B5EF4-FFF2-40B4-BE49-F238E27FC236}">
-                <a16:creationId xmlns:a16="http://schemas.microsoft.com/office/drawing/2014/main" id="{EF958CA2-AC44-7C44-BD40-8BFC618C34FA}"/>
-              </a:ext>
-            </a:extLst>
-          </p:cNvPr>
-          <p:cNvSpPr txBox="1"/>
-          <p:nvPr/>
-        </p:nvSpPr>
-        <p:spPr>
-          <a:xfrm>
-            <a:off x="378661" y="951799"/>
-            <a:ext cx="2213021" cy="369332"/>
-          </a:xfrm>
-          <a:prstGeom prst="rect">
-            <a:avLst/>
-          </a:prstGeom>
-          <a:ln>
-            <a:noFill/>
-          </a:ln>
-        </p:spPr>
-        <p:style>
-          <a:lnRef idx="2">
-            <a:schemeClr val="accent2"/>
-          </a:lnRef>
-          <a:fillRef idx="1">
-            <a:schemeClr val="lt1"/>
-          </a:fillRef>
-          <a:effectRef idx="0">
-            <a:schemeClr val="accent2"/>
-          </a:effectRef>
-          <a:fontRef idx="minor">
-            <a:schemeClr val="dk1"/>
-          </a:fontRef>
-        </p:style>
-        <p:txBody>
-          <a:bodyPr wrap="square" rtlCol="0">
-            <a:spAutoFit/>
-          </a:bodyPr>
-          <a:lstStyle/>
-          <a:p>
-            <a:r>
-              <a:rPr lang="en-US" dirty="0"/>
-              <a:t>Given Density Profile:</a:t>
-            </a:r>
-          </a:p>
-        </p:txBody>
-      </p:sp>
-      <p:sp>
-        <p:nvSpPr>
-          <p:cNvPr id="11" name="TextBox 10">
-            <a:extLst>
-              <a:ext uri="{FF2B5EF4-FFF2-40B4-BE49-F238E27FC236}">
-                <a16:creationId xmlns:a16="http://schemas.microsoft.com/office/drawing/2014/main" id="{D34CEA35-BEA7-5248-8EC3-7E8B015BB57A}"/>
-              </a:ext>
-            </a:extLst>
-          </p:cNvPr>
-          <p:cNvSpPr txBox="1"/>
-          <p:nvPr/>
-        </p:nvSpPr>
-        <p:spPr>
-          <a:xfrm>
-            <a:off x="8817529" y="951799"/>
-            <a:ext cx="3064999" cy="369332"/>
-          </a:xfrm>
-          <a:prstGeom prst="rect">
-            <a:avLst/>
-          </a:prstGeom>
-          <a:noFill/>
-        </p:spPr>
-        <p:txBody>
-          <a:bodyPr wrap="square" rtlCol="0">
-            <a:spAutoFit/>
-          </a:bodyPr>
-          <a:lstStyle/>
-          <a:p>
-            <a:r>
-              <a:rPr lang="en-US" dirty="0"/>
-              <a:t>Equations of Stellar Structure</a:t>
-            </a:r>
-          </a:p>
-        </p:txBody>
-      </p:sp>
-      <p:sp>
-        <p:nvSpPr>
-          <p:cNvPr id="12" name="TextBox 11">
-            <a:extLst>
-              <a:ext uri="{FF2B5EF4-FFF2-40B4-BE49-F238E27FC236}">
-                <a16:creationId xmlns:a16="http://schemas.microsoft.com/office/drawing/2014/main" id="{7B255F65-629C-6A44-9A6E-1134C16C90C4}"/>
-              </a:ext>
-            </a:extLst>
-          </p:cNvPr>
-          <p:cNvSpPr txBox="1"/>
-          <p:nvPr/>
-        </p:nvSpPr>
-        <p:spPr>
-          <a:xfrm>
-            <a:off x="4361111" y="2489078"/>
-            <a:ext cx="3469777" cy="369332"/>
-          </a:xfrm>
-          <a:prstGeom prst="rect">
-            <a:avLst/>
-          </a:prstGeom>
-          <a:noFill/>
-        </p:spPr>
-        <p:txBody>
-          <a:bodyPr wrap="square" rtlCol="0">
-            <a:spAutoFit/>
-          </a:bodyPr>
-          <a:lstStyle/>
-          <a:p>
-            <a:r>
-              <a:rPr lang="en-US" dirty="0"/>
-              <a:t>Pressure and Temperature Profile</a:t>
-            </a:r>
-          </a:p>
-        </p:txBody>
-      </p:sp>
-      <p:pic>
-        <p:nvPicPr>
-          <p:cNvPr id="4102" name="Picture 6" descr="equation.pdf">
-            <a:extLst>
-              <a:ext uri="{FF2B5EF4-FFF2-40B4-BE49-F238E27FC236}">
-                <a16:creationId xmlns:a16="http://schemas.microsoft.com/office/drawing/2014/main" id="{A588F21A-7516-C241-AB94-908C4062804E}"/>
-              </a:ext>
-            </a:extLst>
-          </p:cNvPr>
-          <p:cNvPicPr>
-            <a:picLocks noChangeAspect="1" noChangeArrowheads="1"/>
-          </p:cNvPicPr>
-          <p:nvPr/>
-        </p:nvPicPr>
-        <p:blipFill>
-          <a:blip r:embed="rId4">
-            <a:extLst>
-              <a:ext uri="{28A0092B-C50C-407E-A947-70E740481C1C}">
-                <a14:useLocalDpi xmlns:a14="http://schemas.microsoft.com/office/drawing/2010/main" val="0"/>
-              </a:ext>
-            </a:extLst>
-          </a:blip>
-          <a:srcRect/>
-          <a:stretch>
-            <a:fillRect/>
-          </a:stretch>
-        </p:blipFill>
-        <p:spPr bwMode="auto">
-          <a:xfrm>
-            <a:off x="9508903" y="2072980"/>
-            <a:ext cx="1795917" cy="545595"/>
-          </a:xfrm>
-          <a:prstGeom prst="rect">
-            <a:avLst/>
-          </a:prstGeom>
-          <a:noFill/>
-          <a:extLst>
-            <a:ext uri="{909E8E84-426E-40DD-AFC4-6F175D3DCCD1}">
-              <a14:hiddenFill xmlns:a14="http://schemas.microsoft.com/office/drawing/2010/main">
-                <a:solidFill>
-                  <a:srgbClr val="FFFFFF"/>
-                </a:solidFill>
-              </a14:hiddenFill>
-            </a:ext>
-          </a:extLst>
-        </p:spPr>
-      </p:pic>
-      <p:pic>
-        <p:nvPicPr>
           <p:cNvPr id="6" name="Picture 5">
             <a:extLst>
               <a:ext uri="{FF2B5EF4-FFF2-40B4-BE49-F238E27FC236}">
@@ -5260,14 +5063,14 @@
           <p:nvPr/>
         </p:nvPicPr>
         <p:blipFill rotWithShape="1">
-          <a:blip r:embed="rId5"/>
+          <a:blip r:embed="rId3"/>
           <a:srcRect l="3503" t="5657" r="5502"/>
           <a:stretch/>
         </p:blipFill>
         <p:spPr>
           <a:xfrm>
-            <a:off x="6096001" y="2858410"/>
-            <a:ext cx="5786528" cy="3999590"/>
+            <a:off x="6942561" y="2381769"/>
+            <a:ext cx="4916605" cy="3398308"/>
           </a:xfrm>
           <a:prstGeom prst="rect">
             <a:avLst/>
@@ -5289,14 +5092,14 @@
           <p:nvPr/>
         </p:nvPicPr>
         <p:blipFill rotWithShape="1">
-          <a:blip r:embed="rId6"/>
+          <a:blip r:embed="rId4"/>
           <a:srcRect t="6042" r="8017"/>
           <a:stretch/>
         </p:blipFill>
         <p:spPr>
           <a:xfrm>
-            <a:off x="0" y="2858410"/>
-            <a:ext cx="5873266" cy="3999590"/>
+            <a:off x="939757" y="2303812"/>
+            <a:ext cx="4990303" cy="3398308"/>
           </a:xfrm>
           <a:prstGeom prst="rect">
             <a:avLst/>
@@ -5318,7 +5121,7 @@
           <p:nvPr/>
         </p:nvPicPr>
         <p:blipFill>
-          <a:blip r:embed="rId7">
+          <a:blip r:embed="rId5">
             <a:extLst>
               <a:ext uri="{28A0092B-C50C-407E-A947-70E740481C1C}">
                 <a14:useLocalDpi xmlns:a14="http://schemas.microsoft.com/office/drawing/2010/main" val="0"/>
@@ -5332,8 +5135,8 @@
         </p:blipFill>
         <p:spPr bwMode="auto">
           <a:xfrm>
-            <a:off x="1897691" y="3139984"/>
-            <a:ext cx="3788734" cy="457805"/>
+            <a:off x="1025753" y="1732586"/>
+            <a:ext cx="5183069" cy="626287"/>
           </a:xfrm>
           <a:prstGeom prst="rect">
             <a:avLst/>
@@ -5365,7 +5168,7 @@
           <p:nvPr/>
         </p:nvPicPr>
         <p:blipFill>
-          <a:blip r:embed="rId8">
+          <a:blip r:embed="rId6">
             <a:extLst>
               <a:ext uri="{28A0092B-C50C-407E-A947-70E740481C1C}">
                 <a14:useLocalDpi xmlns:a14="http://schemas.microsoft.com/office/drawing/2010/main" val="0"/>
@@ -5379,7 +5182,7 @@
         </p:blipFill>
         <p:spPr bwMode="auto">
           <a:xfrm>
-            <a:off x="10135233" y="3200813"/>
+            <a:off x="8703473" y="1867903"/>
             <a:ext cx="1394780" cy="513866"/>
           </a:xfrm>
           <a:prstGeom prst="rect">
@@ -5397,6 +5200,135 @@
           </a:extLst>
         </p:spPr>
       </p:pic>
+      <p:pic>
+        <p:nvPicPr>
+          <p:cNvPr id="13" name="Picture 2" descr="equation.pdf">
+            <a:extLst>
+              <a:ext uri="{FF2B5EF4-FFF2-40B4-BE49-F238E27FC236}">
+                <a16:creationId xmlns:a16="http://schemas.microsoft.com/office/drawing/2014/main" id="{B683064B-63F5-694F-ACD8-4E5C6F903CFC}"/>
+              </a:ext>
+            </a:extLst>
+          </p:cNvPr>
+          <p:cNvPicPr>
+            <a:picLocks noChangeAspect="1" noChangeArrowheads="1"/>
+          </p:cNvPicPr>
+          <p:nvPr/>
+        </p:nvPicPr>
+        <p:blipFill>
+          <a:blip r:embed="rId7">
+            <a:extLst>
+              <a:ext uri="{28A0092B-C50C-407E-A947-70E740481C1C}">
+                <a14:useLocalDpi xmlns:a14="http://schemas.microsoft.com/office/drawing/2010/main" val="0"/>
+              </a:ext>
+            </a:extLst>
+          </a:blip>
+          <a:srcRect/>
+          <a:stretch>
+            <a:fillRect/>
+          </a:stretch>
+        </p:blipFill>
+        <p:spPr bwMode="auto">
+          <a:xfrm>
+            <a:off x="3432169" y="6186915"/>
+            <a:ext cx="2663831" cy="324857"/>
+          </a:xfrm>
+          <a:prstGeom prst="rect">
+            <a:avLst/>
+          </a:prstGeom>
+          <a:noFill/>
+          <a:extLst>
+            <a:ext uri="{909E8E84-426E-40DD-AFC4-6F175D3DCCD1}">
+              <a14:hiddenFill xmlns:a14="http://schemas.microsoft.com/office/drawing/2010/main">
+                <a:solidFill>
+                  <a:srgbClr val="FFFFFF"/>
+                </a:solidFill>
+              </a14:hiddenFill>
+            </a:ext>
+          </a:extLst>
+        </p:spPr>
+      </p:pic>
+      <p:pic>
+        <p:nvPicPr>
+          <p:cNvPr id="14" name="Picture 2" descr="equation.pdf">
+            <a:extLst>
+              <a:ext uri="{FF2B5EF4-FFF2-40B4-BE49-F238E27FC236}">
+                <a16:creationId xmlns:a16="http://schemas.microsoft.com/office/drawing/2014/main" id="{379BA577-042A-5841-8DEF-554B4A1B55B6}"/>
+              </a:ext>
+            </a:extLst>
+          </p:cNvPr>
+          <p:cNvPicPr>
+            <a:picLocks noChangeAspect="1" noChangeArrowheads="1"/>
+          </p:cNvPicPr>
+          <p:nvPr/>
+        </p:nvPicPr>
+        <p:blipFill>
+          <a:blip r:embed="rId8">
+            <a:extLst>
+              <a:ext uri="{28A0092B-C50C-407E-A947-70E740481C1C}">
+                <a14:useLocalDpi xmlns:a14="http://schemas.microsoft.com/office/drawing/2010/main" val="0"/>
+              </a:ext>
+            </a:extLst>
+          </a:blip>
+          <a:srcRect/>
+          <a:stretch>
+            <a:fillRect/>
+          </a:stretch>
+        </p:blipFill>
+        <p:spPr bwMode="auto">
+          <a:xfrm>
+            <a:off x="7359133" y="5978179"/>
+            <a:ext cx="913634" cy="742328"/>
+          </a:xfrm>
+          <a:prstGeom prst="rect">
+            <a:avLst/>
+          </a:prstGeom>
+          <a:noFill/>
+          <a:extLst>
+            <a:ext uri="{909E8E84-426E-40DD-AFC4-6F175D3DCCD1}">
+              <a14:hiddenFill xmlns:a14="http://schemas.microsoft.com/office/drawing/2010/main">
+                <a:solidFill>
+                  <a:srgbClr val="FFFFFF"/>
+                </a:solidFill>
+              </a14:hiddenFill>
+            </a:ext>
+          </a:extLst>
+        </p:spPr>
+      </p:pic>
+      <p:sp>
+        <p:nvSpPr>
+          <p:cNvPr id="3" name="TextBox 2">
+            <a:extLst>
+              <a:ext uri="{FF2B5EF4-FFF2-40B4-BE49-F238E27FC236}">
+                <a16:creationId xmlns:a16="http://schemas.microsoft.com/office/drawing/2014/main" id="{A7C359AD-A4A9-8647-8A85-96DD2531841E}"/>
+              </a:ext>
+            </a:extLst>
+          </p:cNvPr>
+          <p:cNvSpPr txBox="1"/>
+          <p:nvPr/>
+        </p:nvSpPr>
+        <p:spPr>
+          <a:xfrm>
+            <a:off x="3783192" y="1070935"/>
+            <a:ext cx="1665328" cy="369332"/>
+          </a:xfrm>
+          <a:prstGeom prst="rect">
+            <a:avLst/>
+          </a:prstGeom>
+          <a:noFill/>
+        </p:spPr>
+        <p:txBody>
+          <a:bodyPr wrap="none" rtlCol="0">
+            <a:spAutoFit/>
+          </a:bodyPr>
+          <a:lstStyle/>
+          <a:p>
+            <a:r>
+              <a:rPr lang="en-US" dirty="0"/>
+              <a:t>Density Profile: </a:t>
+            </a:r>
+          </a:p>
+        </p:txBody>
+      </p:sp>
     </p:spTree>
     <p:extLst>
       <p:ext uri="{BB962C8B-B14F-4D97-AF65-F5344CB8AC3E}">
@@ -5419,6 +5351,9 @@
                     <p:cTn id="3" fill="hold">
                       <p:stCondLst>
                         <p:cond delay="indefinite"/>
+                        <p:cond evt="onBegin" delay="0">
+                          <p:tn val="2"/>
+                        </p:cond>
                       </p:stCondLst>
                       <p:childTnLst>
                         <p:par>
@@ -5428,7 +5363,7 @@
                             </p:stCondLst>
                             <p:childTnLst>
                               <p:par>
-                                <p:cTn id="5" presetID="1" presetClass="entr" presetSubtype="0" fill="hold" grpId="0" nodeType="clickEffect">
+                                <p:cTn id="5" presetID="1" presetClass="entr" presetSubtype="0" fill="hold" nodeType="withEffect">
                                   <p:stCondLst>
                                     <p:cond delay="0"/>
                                   </p:stCondLst>
@@ -5441,7 +5376,7 @@
                                           </p:stCondLst>
                                         </p:cTn>
                                         <p:tgtEl>
-                                          <p:spTgt spid="11"/>
+                                          <p:spTgt spid="5"/>
                                         </p:tgtEl>
                                         <p:attrNameLst>
                                           <p:attrName>style.visibility</p:attrName>
@@ -5468,7 +5403,7 @@
                                           </p:stCondLst>
                                         </p:cTn>
                                         <p:tgtEl>
-                                          <p:spTgt spid="7"/>
+                                          <p:spTgt spid="9"/>
                                         </p:tgtEl>
                                         <p:attrNameLst>
                                           <p:attrName>style.visibility</p:attrName>
@@ -5495,132 +5430,6 @@
                                           </p:stCondLst>
                                         </p:cTn>
                                         <p:tgtEl>
-                                          <p:spTgt spid="4102"/>
-                                        </p:tgtEl>
-                                        <p:attrNameLst>
-                                          <p:attrName>style.visibility</p:attrName>
-                                        </p:attrNameLst>
-                                      </p:cBhvr>
-                                      <p:to>
-                                        <p:strVal val="visible"/>
-                                      </p:to>
-                                    </p:set>
-                                  </p:childTnLst>
-                                </p:cTn>
-                              </p:par>
-                            </p:childTnLst>
-                          </p:cTn>
-                        </p:par>
-                      </p:childTnLst>
-                    </p:cTn>
-                  </p:par>
-                  <p:par>
-                    <p:cTn id="11" fill="hold">
-                      <p:stCondLst>
-                        <p:cond delay="indefinite"/>
-                      </p:stCondLst>
-                      <p:childTnLst>
-                        <p:par>
-                          <p:cTn id="12" fill="hold">
-                            <p:stCondLst>
-                              <p:cond delay="0"/>
-                            </p:stCondLst>
-                            <p:childTnLst>
-                              <p:par>
-                                <p:cTn id="13" presetID="1" presetClass="entr" presetSubtype="0" fill="hold" grpId="0" nodeType="clickEffect">
-                                  <p:stCondLst>
-                                    <p:cond delay="0"/>
-                                  </p:stCondLst>
-                                  <p:childTnLst>
-                                    <p:set>
-                                      <p:cBhvr>
-                                        <p:cTn id="14" dur="1" fill="hold">
-                                          <p:stCondLst>
-                                            <p:cond delay="0"/>
-                                          </p:stCondLst>
-                                        </p:cTn>
-                                        <p:tgtEl>
-                                          <p:spTgt spid="12"/>
-                                        </p:tgtEl>
-                                        <p:attrNameLst>
-                                          <p:attrName>style.visibility</p:attrName>
-                                        </p:attrNameLst>
-                                      </p:cBhvr>
-                                      <p:to>
-                                        <p:strVal val="visible"/>
-                                      </p:to>
-                                    </p:set>
-                                  </p:childTnLst>
-                                </p:cTn>
-                              </p:par>
-                              <p:par>
-                                <p:cTn id="15" presetID="1" presetClass="entr" presetSubtype="0" fill="hold" nodeType="withEffect">
-                                  <p:stCondLst>
-                                    <p:cond delay="0"/>
-                                  </p:stCondLst>
-                                  <p:childTnLst>
-                                    <p:set>
-                                      <p:cBhvr>
-                                        <p:cTn id="16" dur="1" fill="hold">
-                                          <p:stCondLst>
-                                            <p:cond delay="0"/>
-                                          </p:stCondLst>
-                                        </p:cTn>
-                                        <p:tgtEl>
-                                          <p:spTgt spid="5"/>
-                                        </p:tgtEl>
-                                        <p:attrNameLst>
-                                          <p:attrName>style.visibility</p:attrName>
-                                        </p:attrNameLst>
-                                      </p:cBhvr>
-                                      <p:to>
-                                        <p:strVal val="visible"/>
-                                      </p:to>
-                                    </p:set>
-                                  </p:childTnLst>
-                                </p:cTn>
-                              </p:par>
-                              <p:par>
-                                <p:cTn id="17" presetID="1" presetClass="entr" presetSubtype="0" fill="hold" nodeType="withEffect">
-                                  <p:stCondLst>
-                                    <p:cond delay="0"/>
-                                  </p:stCondLst>
-                                  <p:childTnLst>
-                                    <p:set>
-                                      <p:cBhvr>
-                                        <p:cTn id="18" dur="1" fill="hold">
-                                          <p:stCondLst>
-                                            <p:cond delay="0"/>
-                                          </p:stCondLst>
-                                        </p:cTn>
-                                        <p:tgtEl>
-                                          <p:spTgt spid="9"/>
-                                        </p:tgtEl>
-                                        <p:attrNameLst>
-                                          <p:attrName>style.visibility</p:attrName>
-                                        </p:attrNameLst>
-                                      </p:cBhvr>
-                                      <p:to>
-                                        <p:strVal val="visible"/>
-                                      </p:to>
-                                    </p:set>
-                                  </p:childTnLst>
-                                </p:cTn>
-                              </p:par>
-                              <p:par>
-                                <p:cTn id="19" presetID="1" presetClass="entr" presetSubtype="0" fill="hold" nodeType="withEffect">
-                                  <p:stCondLst>
-                                    <p:cond delay="0"/>
-                                  </p:stCondLst>
-                                  <p:childTnLst>
-                                    <p:set>
-                                      <p:cBhvr>
-                                        <p:cTn id="20" dur="1" fill="hold">
-                                          <p:stCondLst>
-                                            <p:cond delay="0"/>
-                                          </p:stCondLst>
-                                        </p:cTn>
-                                        <p:tgtEl>
                                           <p:spTgt spid="6"/>
                                         </p:tgtEl>
                                         <p:attrNameLst>
@@ -5635,20 +5444,47 @@
                                 </p:cTn>
                               </p:par>
                               <p:par>
-                                <p:cTn id="21" presetID="1" presetClass="entr" presetSubtype="0" fill="hold" nodeType="withEffect">
+                                <p:cTn id="11" presetID="1" presetClass="entr" presetSubtype="0" fill="hold" nodeType="withEffect">
                                   <p:stCondLst>
                                     <p:cond delay="0"/>
                                   </p:stCondLst>
                                   <p:childTnLst>
                                     <p:set>
                                       <p:cBhvr>
-                                        <p:cTn id="22" dur="1" fill="hold">
+                                        <p:cTn id="12" dur="1" fill="hold">
                                           <p:stCondLst>
                                             <p:cond delay="0"/>
                                           </p:stCondLst>
                                         </p:cTn>
                                         <p:tgtEl>
                                           <p:spTgt spid="4098"/>
+                                        </p:tgtEl>
+                                        <p:attrNameLst>
+                                          <p:attrName>style.visibility</p:attrName>
+                                        </p:attrNameLst>
+                                      </p:cBhvr>
+                                      <p:to>
+                                        <p:strVal val="visible"/>
+                                      </p:to>
+                                    </p:set>
+                                  </p:childTnLst>
+                                </p:cTn>
+                              </p:par>
+                              <p:par>
+                                <p:cTn id="13" presetID="1" presetClass="entr" presetSubtype="0" fill="hold" nodeType="withEffect">
+                                  <p:stCondLst>
+                                    <p:cond delay="0"/>
+                                  </p:stCondLst>
+                                  <p:childTnLst>
+                                    <p:set>
+                                      <p:cBhvr>
+                                        <p:cTn id="14" dur="1" fill="hold">
+                                          <p:stCondLst>
+                                            <p:cond delay="0"/>
+                                          </p:stCondLst>
+                                        </p:cTn>
+                                        <p:tgtEl>
+                                          <p:spTgt spid="14"/>
                                         </p:tgtEl>
                                         <p:attrNameLst>
                                           <p:attrName>style.visibility</p:attrName>
@@ -5688,16 +5524,12 @@
         </p:cTn>
       </p:par>
     </p:tnLst>
-    <p:bldLst>
-      <p:bldP spid="11" grpId="0"/>
-      <p:bldP spid="12" grpId="0"/>
-    </p:bldLst>
   </p:timing>
 </p:sld>
 </file>
 
 <file path=ppt/slides/slide5.xml><?xml version="1.0" encoding="utf-8"?>
-<p:sld xmlns:a="http://schemas.openxmlformats.org/drawingml/2006/main" xmlns:r="http://schemas.openxmlformats.org/officeDocument/2006/relationships" xmlns:p="http://schemas.openxmlformats.org/presentationml/2006/main">
+<p:sld xmlns:a="http://schemas.openxmlformats.org/drawingml/2006/main" xmlns:r="http://schemas.openxmlformats.org/officeDocument/2006/relationships" xmlns:p="http://schemas.openxmlformats.org/presentationml/2006/main" show="0">
   <p:cSld>
     <p:spTree>
       <p:nvGrpSpPr>
@@ -6454,6 +6286,936 @@
           <p:cNvPr id="2" name="Title 1">
             <a:extLst>
               <a:ext uri="{FF2B5EF4-FFF2-40B4-BE49-F238E27FC236}">
+                <a16:creationId xmlns:a16="http://schemas.microsoft.com/office/drawing/2014/main" id="{2961D544-9B9F-3C4B-ADD3-AC0D27C52F71}"/>
+              </a:ext>
+            </a:extLst>
+          </p:cNvPr>
+          <p:cNvSpPr>
+            <a:spLocks noGrp="1"/>
+          </p:cNvSpPr>
+          <p:nvPr>
+            <p:ph type="title"/>
+          </p:nvPr>
+        </p:nvSpPr>
+        <p:spPr>
+          <a:xfrm>
+            <a:off x="0" y="0"/>
+            <a:ext cx="10515600" cy="1325563"/>
+          </a:xfrm>
+        </p:spPr>
+        <p:txBody>
+          <a:bodyPr/>
+          <a:lstStyle/>
+          <a:p>
+            <a:r>
+              <a:rPr lang="en-US" dirty="0"/>
+              <a:t>Methods to find escape time</a:t>
+            </a:r>
+          </a:p>
+        </p:txBody>
+      </p:sp>
+      <p:sp>
+        <p:nvSpPr>
+          <p:cNvPr id="3" name="Text Placeholder 2">
+            <a:extLst>
+              <a:ext uri="{FF2B5EF4-FFF2-40B4-BE49-F238E27FC236}">
+                <a16:creationId xmlns:a16="http://schemas.microsoft.com/office/drawing/2014/main" id="{55988D94-9DDA-3941-9C85-0B6CC6D666FD}"/>
+              </a:ext>
+            </a:extLst>
+          </p:cNvPr>
+          <p:cNvSpPr>
+            <a:spLocks noGrp="1"/>
+          </p:cNvSpPr>
+          <p:nvPr>
+            <p:ph type="body" idx="1"/>
+          </p:nvPr>
+        </p:nvSpPr>
+        <p:spPr>
+          <a:xfrm>
+            <a:off x="494065" y="1340101"/>
+            <a:ext cx="3323139" cy="823912"/>
+          </a:xfrm>
+        </p:spPr>
+        <p:txBody>
+          <a:bodyPr/>
+          <a:lstStyle/>
+          <a:p>
+            <a:r>
+              <a:rPr lang="en-US" dirty="0"/>
+              <a:t>(1) Have the photon exit the Sun</a:t>
+            </a:r>
+          </a:p>
+        </p:txBody>
+      </p:sp>
+      <p:sp>
+        <p:nvSpPr>
+          <p:cNvPr id="4" name="Content Placeholder 3">
+            <a:extLst>
+              <a:ext uri="{FF2B5EF4-FFF2-40B4-BE49-F238E27FC236}">
+                <a16:creationId xmlns:a16="http://schemas.microsoft.com/office/drawing/2014/main" id="{B9FBB41F-2207-D14D-B51F-74427334633E}"/>
+              </a:ext>
+            </a:extLst>
+          </p:cNvPr>
+          <p:cNvSpPr>
+            <a:spLocks noGrp="1"/>
+          </p:cNvSpPr>
+          <p:nvPr>
+            <p:ph sz="half" idx="2"/>
+          </p:nvPr>
+        </p:nvSpPr>
+        <p:spPr>
+          <a:xfrm>
+            <a:off x="494066" y="2164013"/>
+            <a:ext cx="3323138" cy="3684588"/>
+          </a:xfrm>
+        </p:spPr>
+        <p:txBody>
+          <a:bodyPr>
+            <a:normAutofit fontScale="85000" lnSpcReduction="10000"/>
+          </a:bodyPr>
+          <a:lstStyle/>
+          <a:p>
+            <a:r>
+              <a:rPr lang="en-US" dirty="0"/>
+              <a:t>Let the program run until the photon exits the sun ~1e11 cm</a:t>
+            </a:r>
+          </a:p>
+          <a:p>
+            <a:r>
+              <a:rPr lang="en-US" dirty="0"/>
+              <a:t>~ 1e23 steps, computation time ~1e8 </a:t>
+            </a:r>
+            <a:r>
+              <a:rPr lang="en-US" dirty="0" err="1"/>
+              <a:t>yrs</a:t>
+            </a:r>
+            <a:endParaRPr lang="en-US" dirty="0"/>
+          </a:p>
+          <a:p>
+            <a:pPr marL="0" indent="0">
+              <a:buNone/>
+            </a:pPr>
+            <a:endParaRPr lang="en-US" dirty="0"/>
+          </a:p>
+        </p:txBody>
+      </p:sp>
+      <p:sp>
+        <p:nvSpPr>
+          <p:cNvPr id="5" name="Text Placeholder 4">
+            <a:extLst>
+              <a:ext uri="{FF2B5EF4-FFF2-40B4-BE49-F238E27FC236}">
+                <a16:creationId xmlns:a16="http://schemas.microsoft.com/office/drawing/2014/main" id="{2DD8C63F-AD77-2247-903C-1B8239B64AE8}"/>
+              </a:ext>
+            </a:extLst>
+          </p:cNvPr>
+          <p:cNvSpPr>
+            <a:spLocks noGrp="1"/>
+          </p:cNvSpPr>
+          <p:nvPr>
+            <p:ph type="body" sz="quarter" idx="3"/>
+          </p:nvPr>
+        </p:nvSpPr>
+        <p:spPr>
+          <a:xfrm>
+            <a:off x="4434431" y="1340101"/>
+            <a:ext cx="3323138" cy="823912"/>
+          </a:xfrm>
+        </p:spPr>
+        <p:txBody>
+          <a:bodyPr/>
+          <a:lstStyle/>
+          <a:p>
+            <a:r>
+              <a:rPr lang="en-US" dirty="0"/>
+              <a:t>(2) Calculate photon “velocity” </a:t>
+            </a:r>
+          </a:p>
+        </p:txBody>
+      </p:sp>
+      <p:sp>
+        <p:nvSpPr>
+          <p:cNvPr id="6" name="Content Placeholder 5">
+            <a:extLst>
+              <a:ext uri="{FF2B5EF4-FFF2-40B4-BE49-F238E27FC236}">
+                <a16:creationId xmlns:a16="http://schemas.microsoft.com/office/drawing/2014/main" id="{E838939C-648A-0A47-990E-5D5CD7A450C3}"/>
+              </a:ext>
+            </a:extLst>
+          </p:cNvPr>
+          <p:cNvSpPr>
+            <a:spLocks noGrp="1"/>
+          </p:cNvSpPr>
+          <p:nvPr>
+            <p:ph sz="quarter" idx="4"/>
+          </p:nvPr>
+        </p:nvSpPr>
+        <p:spPr>
+          <a:xfrm>
+            <a:off x="4434431" y="2178551"/>
+            <a:ext cx="3323138" cy="3684588"/>
+          </a:xfrm>
+        </p:spPr>
+        <p:txBody>
+          <a:bodyPr>
+            <a:normAutofit fontScale="85000" lnSpcReduction="10000"/>
+          </a:bodyPr>
+          <a:lstStyle/>
+          <a:p>
+            <a:r>
+              <a:rPr lang="en-US" dirty="0"/>
+              <a:t>Find the time to take set number of steps, and the radial distance travelled by the photon</a:t>
+            </a:r>
+          </a:p>
+          <a:p>
+            <a:r>
+              <a:rPr lang="en-US" dirty="0"/>
+              <a:t>Fails because:</a:t>
+            </a:r>
+          </a:p>
+          <a:p>
+            <a:pPr lvl="1"/>
+            <a:r>
+              <a:rPr lang="en-US" dirty="0"/>
+              <a:t>Photon can travel backwards</a:t>
+            </a:r>
+          </a:p>
+          <a:p>
+            <a:pPr lvl="1"/>
+            <a:r>
+              <a:rPr lang="en-US" dirty="0"/>
+              <a:t>Travel time is very small, causing massive photon speeds</a:t>
+            </a:r>
+          </a:p>
+          <a:p>
+            <a:r>
+              <a:rPr lang="en-US" dirty="0"/>
+              <a:t>Escape time ~1e-5 </a:t>
+            </a:r>
+            <a:r>
+              <a:rPr lang="en-US" dirty="0" err="1"/>
+              <a:t>yrs</a:t>
+            </a:r>
+            <a:endParaRPr lang="en-US" dirty="0"/>
+          </a:p>
+          <a:p>
+            <a:pPr marL="0" indent="0">
+              <a:buNone/>
+            </a:pPr>
+            <a:endParaRPr lang="en-US" dirty="0"/>
+          </a:p>
+          <a:p>
+            <a:pPr marL="0" indent="0">
+              <a:buNone/>
+            </a:pPr>
+            <a:endParaRPr lang="en-US" dirty="0"/>
+          </a:p>
+        </p:txBody>
+      </p:sp>
+      <p:sp>
+        <p:nvSpPr>
+          <p:cNvPr id="7" name="Text Placeholder 4">
+            <a:extLst>
+              <a:ext uri="{FF2B5EF4-FFF2-40B4-BE49-F238E27FC236}">
+                <a16:creationId xmlns:a16="http://schemas.microsoft.com/office/drawing/2014/main" id="{EC28A38E-719E-BF4A-ADCF-BADB08AF8D17}"/>
+              </a:ext>
+            </a:extLst>
+          </p:cNvPr>
+          <p:cNvSpPr txBox="1">
+            <a:spLocks/>
+          </p:cNvSpPr>
+          <p:nvPr/>
+        </p:nvSpPr>
+        <p:spPr>
+          <a:xfrm>
+            <a:off x="8374798" y="1325563"/>
+            <a:ext cx="3323138" cy="823912"/>
+          </a:xfrm>
+          <a:prstGeom prst="rect">
+            <a:avLst/>
+          </a:prstGeom>
+        </p:spPr>
+        <p:txBody>
+          <a:bodyPr vert="horz" lIns="91440" tIns="45720" rIns="91440" bIns="45720" rtlCol="0" anchor="b">
+            <a:normAutofit fontScale="92500"/>
+          </a:bodyPr>
+          <a:lstStyle>
+            <a:lvl1pPr marL="0" indent="0" algn="l" defTabSz="914400" rtl="0" eaLnBrk="1" latinLnBrk="0" hangingPunct="1">
+              <a:lnSpc>
+                <a:spcPct val="90000"/>
+              </a:lnSpc>
+              <a:spcBef>
+                <a:spcPts val="1000"/>
+              </a:spcBef>
+              <a:buFont typeface="Arial" panose="020B0604020202020204" pitchFamily="34" charset="0"/>
+              <a:buNone/>
+              <a:defRPr sz="2400" b="1" kern="1200">
+                <a:solidFill>
+                  <a:schemeClr val="tx1"/>
+                </a:solidFill>
+                <a:latin typeface="+mn-lt"/>
+                <a:ea typeface="+mn-ea"/>
+                <a:cs typeface="+mn-cs"/>
+              </a:defRPr>
+            </a:lvl1pPr>
+            <a:lvl2pPr marL="457200" indent="0" algn="l" defTabSz="914400" rtl="0" eaLnBrk="1" latinLnBrk="0" hangingPunct="1">
+              <a:lnSpc>
+                <a:spcPct val="90000"/>
+              </a:lnSpc>
+              <a:spcBef>
+                <a:spcPts val="500"/>
+              </a:spcBef>
+              <a:buFont typeface="Arial" panose="020B0604020202020204" pitchFamily="34" charset="0"/>
+              <a:buNone/>
+              <a:defRPr sz="2000" b="1" kern="1200">
+                <a:solidFill>
+                  <a:schemeClr val="tx1"/>
+                </a:solidFill>
+                <a:latin typeface="+mn-lt"/>
+                <a:ea typeface="+mn-ea"/>
+                <a:cs typeface="+mn-cs"/>
+              </a:defRPr>
+            </a:lvl2pPr>
+            <a:lvl3pPr marL="914400" indent="0" algn="l" defTabSz="914400" rtl="0" eaLnBrk="1" latinLnBrk="0" hangingPunct="1">
+              <a:lnSpc>
+                <a:spcPct val="90000"/>
+              </a:lnSpc>
+              <a:spcBef>
+                <a:spcPts val="500"/>
+              </a:spcBef>
+              <a:buFont typeface="Arial" panose="020B0604020202020204" pitchFamily="34" charset="0"/>
+              <a:buNone/>
+              <a:defRPr sz="1800" b="1" kern="1200">
+                <a:solidFill>
+                  <a:schemeClr val="tx1"/>
+                </a:solidFill>
+                <a:latin typeface="+mn-lt"/>
+                <a:ea typeface="+mn-ea"/>
+                <a:cs typeface="+mn-cs"/>
+              </a:defRPr>
+            </a:lvl3pPr>
+            <a:lvl4pPr marL="1371600" indent="0" algn="l" defTabSz="914400" rtl="0" eaLnBrk="1" latinLnBrk="0" hangingPunct="1">
+              <a:lnSpc>
+                <a:spcPct val="90000"/>
+              </a:lnSpc>
+              <a:spcBef>
+                <a:spcPts val="500"/>
+              </a:spcBef>
+              <a:buFont typeface="Arial" panose="020B0604020202020204" pitchFamily="34" charset="0"/>
+              <a:buNone/>
+              <a:defRPr sz="1600" b="1" kern="1200">
+                <a:solidFill>
+                  <a:schemeClr val="tx1"/>
+                </a:solidFill>
+                <a:latin typeface="+mn-lt"/>
+                <a:ea typeface="+mn-ea"/>
+                <a:cs typeface="+mn-cs"/>
+              </a:defRPr>
+            </a:lvl4pPr>
+            <a:lvl5pPr marL="1828800" indent="0" algn="l" defTabSz="914400" rtl="0" eaLnBrk="1" latinLnBrk="0" hangingPunct="1">
+              <a:lnSpc>
+                <a:spcPct val="90000"/>
+              </a:lnSpc>
+              <a:spcBef>
+                <a:spcPts val="500"/>
+              </a:spcBef>
+              <a:buFont typeface="Arial" panose="020B0604020202020204" pitchFamily="34" charset="0"/>
+              <a:buNone/>
+              <a:defRPr sz="1600" b="1" kern="1200">
+                <a:solidFill>
+                  <a:schemeClr val="tx1"/>
+                </a:solidFill>
+                <a:latin typeface="+mn-lt"/>
+                <a:ea typeface="+mn-ea"/>
+                <a:cs typeface="+mn-cs"/>
+              </a:defRPr>
+            </a:lvl5pPr>
+            <a:lvl6pPr marL="2286000" indent="0" algn="l" defTabSz="914400" rtl="0" eaLnBrk="1" latinLnBrk="0" hangingPunct="1">
+              <a:lnSpc>
+                <a:spcPct val="90000"/>
+              </a:lnSpc>
+              <a:spcBef>
+                <a:spcPts val="500"/>
+              </a:spcBef>
+              <a:buFont typeface="Arial" panose="020B0604020202020204" pitchFamily="34" charset="0"/>
+              <a:buNone/>
+              <a:defRPr sz="1600" b="1" kern="1200">
+                <a:solidFill>
+                  <a:schemeClr val="tx1"/>
+                </a:solidFill>
+                <a:latin typeface="+mn-lt"/>
+                <a:ea typeface="+mn-ea"/>
+                <a:cs typeface="+mn-cs"/>
+              </a:defRPr>
+            </a:lvl6pPr>
+            <a:lvl7pPr marL="2743200" indent="0" algn="l" defTabSz="914400" rtl="0" eaLnBrk="1" latinLnBrk="0" hangingPunct="1">
+              <a:lnSpc>
+                <a:spcPct val="90000"/>
+              </a:lnSpc>
+              <a:spcBef>
+                <a:spcPts val="500"/>
+              </a:spcBef>
+              <a:buFont typeface="Arial" panose="020B0604020202020204" pitchFamily="34" charset="0"/>
+              <a:buNone/>
+              <a:defRPr sz="1600" b="1" kern="1200">
+                <a:solidFill>
+                  <a:schemeClr val="tx1"/>
+                </a:solidFill>
+                <a:latin typeface="+mn-lt"/>
+                <a:ea typeface="+mn-ea"/>
+                <a:cs typeface="+mn-cs"/>
+              </a:defRPr>
+            </a:lvl7pPr>
+            <a:lvl8pPr marL="3200400" indent="0" algn="l" defTabSz="914400" rtl="0" eaLnBrk="1" latinLnBrk="0" hangingPunct="1">
+              <a:lnSpc>
+                <a:spcPct val="90000"/>
+              </a:lnSpc>
+              <a:spcBef>
+                <a:spcPts val="500"/>
+              </a:spcBef>
+              <a:buFont typeface="Arial" panose="020B0604020202020204" pitchFamily="34" charset="0"/>
+              <a:buNone/>
+              <a:defRPr sz="1600" b="1" kern="1200">
+                <a:solidFill>
+                  <a:schemeClr val="tx1"/>
+                </a:solidFill>
+                <a:latin typeface="+mn-lt"/>
+                <a:ea typeface="+mn-ea"/>
+                <a:cs typeface="+mn-cs"/>
+              </a:defRPr>
+            </a:lvl8pPr>
+            <a:lvl9pPr marL="3657600" indent="0" algn="l" defTabSz="914400" rtl="0" eaLnBrk="1" latinLnBrk="0" hangingPunct="1">
+              <a:lnSpc>
+                <a:spcPct val="90000"/>
+              </a:lnSpc>
+              <a:spcBef>
+                <a:spcPts val="500"/>
+              </a:spcBef>
+              <a:buFont typeface="Arial" panose="020B0604020202020204" pitchFamily="34" charset="0"/>
+              <a:buNone/>
+              <a:defRPr sz="1600" b="1" kern="1200">
+                <a:solidFill>
+                  <a:schemeClr val="tx1"/>
+                </a:solidFill>
+                <a:latin typeface="+mn-lt"/>
+                <a:ea typeface="+mn-ea"/>
+                <a:cs typeface="+mn-cs"/>
+              </a:defRPr>
+            </a:lvl9pPr>
+          </a:lstStyle>
+          <a:p>
+            <a:r>
+              <a:rPr lang="en-US" dirty="0"/>
+              <a:t>(3) Force the photon to escape a sample distance</a:t>
+            </a:r>
+          </a:p>
+        </p:txBody>
+      </p:sp>
+      <p:sp>
+        <p:nvSpPr>
+          <p:cNvPr id="8" name="Content Placeholder 5">
+            <a:extLst>
+              <a:ext uri="{FF2B5EF4-FFF2-40B4-BE49-F238E27FC236}">
+                <a16:creationId xmlns:a16="http://schemas.microsoft.com/office/drawing/2014/main" id="{972D5822-EBB7-974B-B3D1-C1BD64CDC649}"/>
+              </a:ext>
+            </a:extLst>
+          </p:cNvPr>
+          <p:cNvSpPr txBox="1">
+            <a:spLocks/>
+          </p:cNvSpPr>
+          <p:nvPr/>
+        </p:nvSpPr>
+        <p:spPr>
+          <a:xfrm>
+            <a:off x="8374798" y="2164013"/>
+            <a:ext cx="3323138" cy="3684588"/>
+          </a:xfrm>
+          <a:prstGeom prst="rect">
+            <a:avLst/>
+          </a:prstGeom>
+        </p:spPr>
+        <p:txBody>
+          <a:bodyPr vert="horz" lIns="91440" tIns="45720" rIns="91440" bIns="45720" rtlCol="0">
+            <a:normAutofit fontScale="85000" lnSpcReduction="10000"/>
+          </a:bodyPr>
+          <a:lstStyle>
+            <a:lvl1pPr marL="228600" indent="-228600" algn="l" defTabSz="914400" rtl="0" eaLnBrk="1" latinLnBrk="0" hangingPunct="1">
+              <a:lnSpc>
+                <a:spcPct val="90000"/>
+              </a:lnSpc>
+              <a:spcBef>
+                <a:spcPts val="1000"/>
+              </a:spcBef>
+              <a:buFont typeface="Arial" panose="020B0604020202020204" pitchFamily="34" charset="0"/>
+              <a:buChar char="•"/>
+              <a:defRPr sz="2800" kern="1200">
+                <a:solidFill>
+                  <a:schemeClr val="tx1"/>
+                </a:solidFill>
+                <a:latin typeface="+mn-lt"/>
+                <a:ea typeface="+mn-ea"/>
+                <a:cs typeface="+mn-cs"/>
+              </a:defRPr>
+            </a:lvl1pPr>
+            <a:lvl2pPr marL="685800" indent="-228600" algn="l" defTabSz="914400" rtl="0" eaLnBrk="1" latinLnBrk="0" hangingPunct="1">
+              <a:lnSpc>
+                <a:spcPct val="90000"/>
+              </a:lnSpc>
+              <a:spcBef>
+                <a:spcPts val="500"/>
+              </a:spcBef>
+              <a:buFont typeface="Arial" panose="020B0604020202020204" pitchFamily="34" charset="0"/>
+              <a:buChar char="•"/>
+              <a:defRPr sz="2400" kern="1200">
+                <a:solidFill>
+                  <a:schemeClr val="tx1"/>
+                </a:solidFill>
+                <a:latin typeface="+mn-lt"/>
+                <a:ea typeface="+mn-ea"/>
+                <a:cs typeface="+mn-cs"/>
+              </a:defRPr>
+            </a:lvl2pPr>
+            <a:lvl3pPr marL="1143000" indent="-228600" algn="l" defTabSz="914400" rtl="0" eaLnBrk="1" latinLnBrk="0" hangingPunct="1">
+              <a:lnSpc>
+                <a:spcPct val="90000"/>
+              </a:lnSpc>
+              <a:spcBef>
+                <a:spcPts val="500"/>
+              </a:spcBef>
+              <a:buFont typeface="Arial" panose="020B0604020202020204" pitchFamily="34" charset="0"/>
+              <a:buChar char="•"/>
+              <a:defRPr sz="2000" kern="1200">
+                <a:solidFill>
+                  <a:schemeClr val="tx1"/>
+                </a:solidFill>
+                <a:latin typeface="+mn-lt"/>
+                <a:ea typeface="+mn-ea"/>
+                <a:cs typeface="+mn-cs"/>
+              </a:defRPr>
+            </a:lvl3pPr>
+            <a:lvl4pPr marL="1600200" indent="-228600" algn="l" defTabSz="914400" rtl="0" eaLnBrk="1" latinLnBrk="0" hangingPunct="1">
+              <a:lnSpc>
+                <a:spcPct val="90000"/>
+              </a:lnSpc>
+              <a:spcBef>
+                <a:spcPts val="500"/>
+              </a:spcBef>
+              <a:buFont typeface="Arial" panose="020B0604020202020204" pitchFamily="34" charset="0"/>
+              <a:buChar char="•"/>
+              <a:defRPr sz="1800" kern="1200">
+                <a:solidFill>
+                  <a:schemeClr val="tx1"/>
+                </a:solidFill>
+                <a:latin typeface="+mn-lt"/>
+                <a:ea typeface="+mn-ea"/>
+                <a:cs typeface="+mn-cs"/>
+              </a:defRPr>
+            </a:lvl4pPr>
+            <a:lvl5pPr marL="2057400" indent="-228600" algn="l" defTabSz="914400" rtl="0" eaLnBrk="1" latinLnBrk="0" hangingPunct="1">
+              <a:lnSpc>
+                <a:spcPct val="90000"/>
+              </a:lnSpc>
+              <a:spcBef>
+                <a:spcPts val="500"/>
+              </a:spcBef>
+              <a:buFont typeface="Arial" panose="020B0604020202020204" pitchFamily="34" charset="0"/>
+              <a:buChar char="•"/>
+              <a:defRPr sz="1800" kern="1200">
+                <a:solidFill>
+                  <a:schemeClr val="tx1"/>
+                </a:solidFill>
+                <a:latin typeface="+mn-lt"/>
+                <a:ea typeface="+mn-ea"/>
+                <a:cs typeface="+mn-cs"/>
+              </a:defRPr>
+            </a:lvl5pPr>
+            <a:lvl6pPr marL="2514600" indent="-228600" algn="l" defTabSz="914400" rtl="0" eaLnBrk="1" latinLnBrk="0" hangingPunct="1">
+              <a:lnSpc>
+                <a:spcPct val="90000"/>
+              </a:lnSpc>
+              <a:spcBef>
+                <a:spcPts val="500"/>
+              </a:spcBef>
+              <a:buFont typeface="Arial" panose="020B0604020202020204" pitchFamily="34" charset="0"/>
+              <a:buChar char="•"/>
+              <a:defRPr sz="1800" kern="1200">
+                <a:solidFill>
+                  <a:schemeClr val="tx1"/>
+                </a:solidFill>
+                <a:latin typeface="+mn-lt"/>
+                <a:ea typeface="+mn-ea"/>
+                <a:cs typeface="+mn-cs"/>
+              </a:defRPr>
+            </a:lvl6pPr>
+            <a:lvl7pPr marL="2971800" indent="-228600" algn="l" defTabSz="914400" rtl="0" eaLnBrk="1" latinLnBrk="0" hangingPunct="1">
+              <a:lnSpc>
+                <a:spcPct val="90000"/>
+              </a:lnSpc>
+              <a:spcBef>
+                <a:spcPts val="500"/>
+              </a:spcBef>
+              <a:buFont typeface="Arial" panose="020B0604020202020204" pitchFamily="34" charset="0"/>
+              <a:buChar char="•"/>
+              <a:defRPr sz="1800" kern="1200">
+                <a:solidFill>
+                  <a:schemeClr val="tx1"/>
+                </a:solidFill>
+                <a:latin typeface="+mn-lt"/>
+                <a:ea typeface="+mn-ea"/>
+                <a:cs typeface="+mn-cs"/>
+              </a:defRPr>
+            </a:lvl7pPr>
+            <a:lvl8pPr marL="3429000" indent="-228600" algn="l" defTabSz="914400" rtl="0" eaLnBrk="1" latinLnBrk="0" hangingPunct="1">
+              <a:lnSpc>
+                <a:spcPct val="90000"/>
+              </a:lnSpc>
+              <a:spcBef>
+                <a:spcPts val="500"/>
+              </a:spcBef>
+              <a:buFont typeface="Arial" panose="020B0604020202020204" pitchFamily="34" charset="0"/>
+              <a:buChar char="•"/>
+              <a:defRPr sz="1800" kern="1200">
+                <a:solidFill>
+                  <a:schemeClr val="tx1"/>
+                </a:solidFill>
+                <a:latin typeface="+mn-lt"/>
+                <a:ea typeface="+mn-ea"/>
+                <a:cs typeface="+mn-cs"/>
+              </a:defRPr>
+            </a:lvl8pPr>
+            <a:lvl9pPr marL="3886200" indent="-228600" algn="l" defTabSz="914400" rtl="0" eaLnBrk="1" latinLnBrk="0" hangingPunct="1">
+              <a:lnSpc>
+                <a:spcPct val="90000"/>
+              </a:lnSpc>
+              <a:spcBef>
+                <a:spcPts val="500"/>
+              </a:spcBef>
+              <a:buFont typeface="Arial" panose="020B0604020202020204" pitchFamily="34" charset="0"/>
+              <a:buChar char="•"/>
+              <a:defRPr sz="1800" kern="1200">
+                <a:solidFill>
+                  <a:schemeClr val="tx1"/>
+                </a:solidFill>
+                <a:latin typeface="+mn-lt"/>
+                <a:ea typeface="+mn-ea"/>
+                <a:cs typeface="+mn-cs"/>
+              </a:defRPr>
+            </a:lvl9pPr>
+          </a:lstStyle>
+          <a:p>
+            <a:r>
+              <a:rPr lang="en-US" dirty="0"/>
+              <a:t>Have the photon walk until it transverses a small radial distance</a:t>
+            </a:r>
+          </a:p>
+          <a:p>
+            <a:r>
+              <a:rPr lang="en-US" dirty="0"/>
+              <a:t>Find the number of steps it took to travel sample distance</a:t>
+            </a:r>
+          </a:p>
+          <a:p>
+            <a:r>
+              <a:rPr lang="en-US" dirty="0"/>
+              <a:t>Use this to get number of steps to get number of steps to escape layer and time to escape layer</a:t>
+            </a:r>
+          </a:p>
+        </p:txBody>
+      </p:sp>
+      <p:sp>
+        <p:nvSpPr>
+          <p:cNvPr id="9" name="Rectangle 8">
+            <a:extLst>
+              <a:ext uri="{FF2B5EF4-FFF2-40B4-BE49-F238E27FC236}">
+                <a16:creationId xmlns:a16="http://schemas.microsoft.com/office/drawing/2014/main" id="{964A7224-1D92-4041-94EC-DC87B1110F7F}"/>
+              </a:ext>
+            </a:extLst>
+          </p:cNvPr>
+          <p:cNvSpPr/>
+          <p:nvPr/>
+        </p:nvSpPr>
+        <p:spPr>
+          <a:xfrm>
+            <a:off x="4487559" y="1499268"/>
+            <a:ext cx="3323138" cy="4523038"/>
+          </a:xfrm>
+          <a:prstGeom prst="rect">
+            <a:avLst/>
+          </a:prstGeom>
+          <a:solidFill>
+            <a:schemeClr val="bg1"/>
+          </a:solidFill>
+          <a:ln>
+            <a:solidFill>
+              <a:schemeClr val="bg1"/>
+            </a:solidFill>
+          </a:ln>
+        </p:spPr>
+        <p:style>
+          <a:lnRef idx="2">
+            <a:schemeClr val="accent1">
+              <a:shade val="50000"/>
+            </a:schemeClr>
+          </a:lnRef>
+          <a:fillRef idx="1">
+            <a:schemeClr val="accent1"/>
+          </a:fillRef>
+          <a:effectRef idx="0">
+            <a:schemeClr val="accent1"/>
+          </a:effectRef>
+          <a:fontRef idx="minor">
+            <a:schemeClr val="lt1"/>
+          </a:fontRef>
+        </p:style>
+        <p:txBody>
+          <a:bodyPr rtlCol="0" anchor="ctr"/>
+          <a:lstStyle/>
+          <a:p>
+            <a:pPr algn="ctr"/>
+            <a:endParaRPr lang="en-US" dirty="0"/>
+          </a:p>
+        </p:txBody>
+      </p:sp>
+      <p:sp>
+        <p:nvSpPr>
+          <p:cNvPr id="10" name="Rectangle 9">
+            <a:extLst>
+              <a:ext uri="{FF2B5EF4-FFF2-40B4-BE49-F238E27FC236}">
+                <a16:creationId xmlns:a16="http://schemas.microsoft.com/office/drawing/2014/main" id="{D622DCA5-0C6B-9D4B-898A-6525D43FCEFA}"/>
+              </a:ext>
+            </a:extLst>
+          </p:cNvPr>
+          <p:cNvSpPr/>
+          <p:nvPr/>
+        </p:nvSpPr>
+        <p:spPr>
+          <a:xfrm>
+            <a:off x="8321670" y="1340101"/>
+            <a:ext cx="3323138" cy="4523038"/>
+          </a:xfrm>
+          <a:prstGeom prst="rect">
+            <a:avLst/>
+          </a:prstGeom>
+          <a:solidFill>
+            <a:schemeClr val="bg1"/>
+          </a:solidFill>
+          <a:ln>
+            <a:solidFill>
+              <a:schemeClr val="bg1"/>
+            </a:solidFill>
+          </a:ln>
+        </p:spPr>
+        <p:style>
+          <a:lnRef idx="2">
+            <a:schemeClr val="accent1">
+              <a:shade val="50000"/>
+            </a:schemeClr>
+          </a:lnRef>
+          <a:fillRef idx="1">
+            <a:schemeClr val="accent1"/>
+          </a:fillRef>
+          <a:effectRef idx="0">
+            <a:schemeClr val="accent1"/>
+          </a:effectRef>
+          <a:fontRef idx="minor">
+            <a:schemeClr val="lt1"/>
+          </a:fontRef>
+        </p:style>
+        <p:txBody>
+          <a:bodyPr rtlCol="0" anchor="ctr"/>
+          <a:lstStyle/>
+          <a:p>
+            <a:pPr algn="ctr"/>
+            <a:endParaRPr lang="en-US" dirty="0"/>
+          </a:p>
+        </p:txBody>
+      </p:sp>
+      <p:pic>
+        <p:nvPicPr>
+          <p:cNvPr id="11" name="Picture 10">
+            <a:extLst>
+              <a:ext uri="{FF2B5EF4-FFF2-40B4-BE49-F238E27FC236}">
+                <a16:creationId xmlns:a16="http://schemas.microsoft.com/office/drawing/2014/main" id="{9519356B-A9C0-564A-B288-4D93384B5862}"/>
+              </a:ext>
+            </a:extLst>
+          </p:cNvPr>
+          <p:cNvPicPr>
+            <a:picLocks noChangeAspect="1"/>
+          </p:cNvPicPr>
+          <p:nvPr/>
+        </p:nvPicPr>
+        <p:blipFill rotWithShape="1">
+          <a:blip r:embed="rId2"/>
+          <a:srcRect l="12387" t="10462" r="9219" b="12214"/>
+          <a:stretch/>
+        </p:blipFill>
+        <p:spPr>
+          <a:xfrm>
+            <a:off x="670356" y="3760787"/>
+            <a:ext cx="3093720" cy="3051493"/>
+          </a:xfrm>
+          <a:prstGeom prst="rect">
+            <a:avLst/>
+          </a:prstGeom>
+        </p:spPr>
+      </p:pic>
+    </p:spTree>
+    <p:extLst>
+      <p:ext uri="{BB962C8B-B14F-4D97-AF65-F5344CB8AC3E}">
+        <p14:creationId xmlns:p14="http://schemas.microsoft.com/office/powerpoint/2010/main" val="942783983"/>
+      </p:ext>
+    </p:extLst>
+  </p:cSld>
+  <p:clrMapOvr>
+    <a:masterClrMapping/>
+  </p:clrMapOvr>
+  <p:timing>
+    <p:tnLst>
+      <p:par>
+        <p:cTn id="1" dur="indefinite" restart="never" nodeType="tmRoot">
+          <p:childTnLst>
+            <p:seq concurrent="1" nextAc="seek">
+              <p:cTn id="2" dur="indefinite" nodeType="mainSeq">
+                <p:childTnLst>
+                  <p:par>
+                    <p:cTn id="3" fill="hold">
+                      <p:stCondLst>
+                        <p:cond delay="indefinite"/>
+                      </p:stCondLst>
+                      <p:childTnLst>
+                        <p:par>
+                          <p:cTn id="4" fill="hold">
+                            <p:stCondLst>
+                              <p:cond delay="0"/>
+                            </p:stCondLst>
+                            <p:childTnLst>
+                              <p:par>
+                                <p:cTn id="5" presetID="1" presetClass="exit" presetSubtype="0" fill="hold" grpId="0" nodeType="clickEffect">
+                                  <p:stCondLst>
+                                    <p:cond delay="0"/>
+                                  </p:stCondLst>
+                                  <p:childTnLst>
+                                    <p:set>
+                                      <p:cBhvr>
+                                        <p:cTn id="6" dur="1" fill="hold">
+                                          <p:stCondLst>
+                                            <p:cond delay="0"/>
+                                          </p:stCondLst>
+                                        </p:cTn>
+                                        <p:tgtEl>
+                                          <p:spTgt spid="9"/>
+                                        </p:tgtEl>
+                                        <p:attrNameLst>
+                                          <p:attrName>style.visibility</p:attrName>
+                                        </p:attrNameLst>
+                                      </p:cBhvr>
+                                      <p:to>
+                                        <p:strVal val="hidden"/>
+                                      </p:to>
+                                    </p:set>
+                                  </p:childTnLst>
+                                </p:cTn>
+                              </p:par>
+                            </p:childTnLst>
+                          </p:cTn>
+                        </p:par>
+                      </p:childTnLst>
+                    </p:cTn>
+                  </p:par>
+                  <p:par>
+                    <p:cTn id="7" fill="hold">
+                      <p:stCondLst>
+                        <p:cond delay="indefinite"/>
+                      </p:stCondLst>
+                      <p:childTnLst>
+                        <p:par>
+                          <p:cTn id="8" fill="hold">
+                            <p:stCondLst>
+                              <p:cond delay="0"/>
+                            </p:stCondLst>
+                            <p:childTnLst>
+                              <p:par>
+                                <p:cTn id="9" presetID="1" presetClass="exit" presetSubtype="0" fill="hold" grpId="0" nodeType="clickEffect">
+                                  <p:stCondLst>
+                                    <p:cond delay="0"/>
+                                  </p:stCondLst>
+                                  <p:childTnLst>
+                                    <p:set>
+                                      <p:cBhvr>
+                                        <p:cTn id="10" dur="1" fill="hold">
+                                          <p:stCondLst>
+                                            <p:cond delay="0"/>
+                                          </p:stCondLst>
+                                        </p:cTn>
+                                        <p:tgtEl>
+                                          <p:spTgt spid="10"/>
+                                        </p:tgtEl>
+                                        <p:attrNameLst>
+                                          <p:attrName>style.visibility</p:attrName>
+                                        </p:attrNameLst>
+                                      </p:cBhvr>
+                                      <p:to>
+                                        <p:strVal val="hidden"/>
+                                      </p:to>
+                                    </p:set>
+                                  </p:childTnLst>
+                                </p:cTn>
+                              </p:par>
+                            </p:childTnLst>
+                          </p:cTn>
+                        </p:par>
+                      </p:childTnLst>
+                    </p:cTn>
+                  </p:par>
+                </p:childTnLst>
+              </p:cTn>
+              <p:prevCondLst>
+                <p:cond evt="onPrev" delay="0">
+                  <p:tgtEl>
+                    <p:sldTgt/>
+                  </p:tgtEl>
+                </p:cond>
+              </p:prevCondLst>
+              <p:nextCondLst>
+                <p:cond evt="onNext" delay="0">
+                  <p:tgtEl>
+                    <p:sldTgt/>
+                  </p:tgtEl>
+                </p:cond>
+              </p:nextCondLst>
+            </p:seq>
+          </p:childTnLst>
+        </p:cTn>
+      </p:par>
+    </p:tnLst>
+    <p:bldLst>
+      <p:bldP spid="9" grpId="0" animBg="1"/>
+      <p:bldP spid="10" grpId="0" animBg="1"/>
+    </p:bldLst>
+  </p:timing>
+</p:sld>
+</file>
+
+<file path=ppt/slides/slide7.xml><?xml version="1.0" encoding="utf-8"?>
+<p:sld xmlns:a="http://schemas.openxmlformats.org/drawingml/2006/main" xmlns:r="http://schemas.openxmlformats.org/officeDocument/2006/relationships" xmlns:p="http://schemas.openxmlformats.org/presentationml/2006/main">
+  <p:cSld>
+    <p:spTree>
+      <p:nvGrpSpPr>
+        <p:cNvPr id="1" name=""/>
+        <p:cNvGrpSpPr/>
+        <p:nvPr/>
+      </p:nvGrpSpPr>
+      <p:grpSpPr>
+        <a:xfrm>
+          <a:off x="0" y="0"/>
+          <a:ext cx="0" cy="0"/>
+          <a:chOff x="0" y="0"/>
+          <a:chExt cx="0" cy="0"/>
+        </a:xfrm>
+      </p:grpSpPr>
+      <p:sp>
+        <p:nvSpPr>
+          <p:cNvPr id="2" name="Title 1">
+            <a:extLst>
+              <a:ext uri="{FF2B5EF4-FFF2-40B4-BE49-F238E27FC236}">
                 <a16:creationId xmlns:a16="http://schemas.microsoft.com/office/drawing/2014/main" id="{48FFB4C0-0C36-A94B-AFAB-F7ED2AD36ABB}"/>
               </a:ext>
             </a:extLst>
@@ -6720,8 +7482,8 @@
           </a:extLst>
         </p:spPr>
       </p:pic>
-      <mc:AlternateContent xmlns:mc="http://schemas.openxmlformats.org/markup-compatibility/2006">
-        <mc:Choice xmlns:a14="http://schemas.microsoft.com/office/drawing/2010/main" Requires="a14">
+      <mc:AlternateContent xmlns:mc="http://schemas.openxmlformats.org/markup-compatibility/2006" xmlns:a14="http://schemas.microsoft.com/office/drawing/2010/main">
+        <mc:Choice Requires="a14">
           <p:sp>
             <p:nvSpPr>
               <p:cNvPr id="3" name="TextBox 2">
@@ -7128,7 +7890,7 @@
             </p:txBody>
           </p:sp>
         </mc:Choice>
-        <mc:Fallback>
+        <mc:Fallback xmlns="">
           <p:sp>
             <p:nvSpPr>
               <p:cNvPr id="3" name="TextBox 2">
@@ -7202,7 +7964,7 @@
         </p:blipFill>
         <p:spPr bwMode="auto">
           <a:xfrm>
-            <a:off x="2581614" y="3833958"/>
+            <a:off x="2581614" y="3894118"/>
             <a:ext cx="1747463" cy="556011"/>
           </a:xfrm>
           <a:prstGeom prst="rect">
@@ -7726,7 +8488,113 @@
 </p:sld>
 </file>
 
-<file path=ppt/slides/slide7.xml><?xml version="1.0" encoding="utf-8"?>
+<file path=ppt/slides/slide8.xml><?xml version="1.0" encoding="utf-8"?>
+<p:sld xmlns:a="http://schemas.openxmlformats.org/drawingml/2006/main" xmlns:r="http://schemas.openxmlformats.org/officeDocument/2006/relationships" xmlns:p="http://schemas.openxmlformats.org/presentationml/2006/main">
+  <p:cSld>
+    <p:spTree>
+      <p:nvGrpSpPr>
+        <p:cNvPr id="1" name=""/>
+        <p:cNvGrpSpPr/>
+        <p:nvPr/>
+      </p:nvGrpSpPr>
+      <p:grpSpPr>
+        <a:xfrm>
+          <a:off x="0" y="0"/>
+          <a:ext cx="0" cy="0"/>
+          <a:chOff x="0" y="0"/>
+          <a:chExt cx="0" cy="0"/>
+        </a:xfrm>
+      </p:grpSpPr>
+      <p:sp>
+        <p:nvSpPr>
+          <p:cNvPr id="2" name="Title 1">
+            <a:extLst>
+              <a:ext uri="{FF2B5EF4-FFF2-40B4-BE49-F238E27FC236}">
+                <a16:creationId xmlns:a16="http://schemas.microsoft.com/office/drawing/2014/main" id="{A21BE8B1-5E1F-BE42-89D4-E0B6816C3F8F}"/>
+              </a:ext>
+            </a:extLst>
+          </p:cNvPr>
+          <p:cNvSpPr>
+            <a:spLocks noGrp="1"/>
+          </p:cNvSpPr>
+          <p:nvPr>
+            <p:ph type="title"/>
+          </p:nvPr>
+        </p:nvSpPr>
+        <p:spPr>
+          <a:xfrm>
+            <a:off x="0" y="18255"/>
+            <a:ext cx="10515600" cy="1325563"/>
+          </a:xfrm>
+        </p:spPr>
+        <p:txBody>
+          <a:bodyPr/>
+          <a:lstStyle/>
+          <a:p>
+            <a:r>
+              <a:rPr lang="en-US" dirty="0"/>
+              <a:t>Potential Improvements</a:t>
+            </a:r>
+          </a:p>
+        </p:txBody>
+      </p:sp>
+      <p:sp>
+        <p:nvSpPr>
+          <p:cNvPr id="3" name="Content Placeholder 2">
+            <a:extLst>
+              <a:ext uri="{FF2B5EF4-FFF2-40B4-BE49-F238E27FC236}">
+                <a16:creationId xmlns:a16="http://schemas.microsoft.com/office/drawing/2014/main" id="{E2DB65CD-A699-154A-AC52-933FC8C60583}"/>
+              </a:ext>
+            </a:extLst>
+          </p:cNvPr>
+          <p:cNvSpPr>
+            <a:spLocks noGrp="1"/>
+          </p:cNvSpPr>
+          <p:nvPr>
+            <p:ph idx="1"/>
+          </p:nvPr>
+        </p:nvSpPr>
+        <p:spPr/>
+        <p:txBody>
+          <a:bodyPr/>
+          <a:lstStyle/>
+          <a:p>
+            <a:r>
+              <a:rPr lang="en-US" dirty="0"/>
+              <a:t>Randomly draw from a gaussian distribution to get the mean free path</a:t>
+            </a:r>
+          </a:p>
+          <a:p>
+            <a:r>
+              <a:rPr lang="en-US" dirty="0"/>
+              <a:t>Have a probability at each step that the photon interacts with matter (probability that the photon will change directions)</a:t>
+            </a:r>
+          </a:p>
+          <a:p>
+            <a:r>
+              <a:rPr lang="en-US" dirty="0"/>
+              <a:t>Account for other means of energy transport</a:t>
+            </a:r>
+          </a:p>
+          <a:p>
+            <a:endParaRPr lang="en-US" dirty="0"/>
+          </a:p>
+        </p:txBody>
+      </p:sp>
+    </p:spTree>
+    <p:extLst>
+      <p:ext uri="{BB962C8B-B14F-4D97-AF65-F5344CB8AC3E}">
+        <p14:creationId xmlns:p14="http://schemas.microsoft.com/office/powerpoint/2010/main" val="3298355987"/>
+      </p:ext>
+    </p:extLst>
+  </p:cSld>
+  <p:clrMapOvr>
+    <a:masterClrMapping/>
+  </p:clrMapOvr>
+</p:sld>
+</file>
+
+<file path=ppt/slides/slide9.xml><?xml version="1.0" encoding="utf-8"?>
 <p:sld xmlns:a="http://schemas.openxmlformats.org/drawingml/2006/main" xmlns:r="http://schemas.openxmlformats.org/officeDocument/2006/relationships" xmlns:p="http://schemas.openxmlformats.org/presentationml/2006/main">
   <p:cSld>
     <p:spTree>
@@ -8098,8 +8966,8 @@
           </p:sp>
         </mc:Fallback>
       </mc:AlternateContent>
-      <mc:AlternateContent xmlns:mc="http://schemas.openxmlformats.org/markup-compatibility/2006">
-        <mc:Choice xmlns:a14="http://schemas.microsoft.com/office/drawing/2010/main" Requires="a14">
+      <mc:AlternateContent xmlns:mc="http://schemas.openxmlformats.org/markup-compatibility/2006" xmlns:a14="http://schemas.microsoft.com/office/drawing/2010/main">
+        <mc:Choice Requires="a14">
           <p:sp>
             <p:nvSpPr>
               <p:cNvPr id="10" name="TextBox 9">
@@ -8335,7 +9203,7 @@
             </p:txBody>
           </p:sp>
         </mc:Choice>
-        <mc:Fallback>
+        <mc:Fallback xmlns="">
           <p:sp>
             <p:nvSpPr>
               <p:cNvPr id="10" name="TextBox 9">
